--- a/src/study/mar05/yj/[스터디1]객체지향 프로그래밍.pptx
+++ b/src/study/mar05/yj/[스터디1]객체지향 프로그래밍.pptx
@@ -6,11 +6,10 @@
   </p:sldMasterIdLst>
   <p:sldIdLst>
     <p:sldId id="256" r:id="rId2"/>
-    <p:sldId id="257" r:id="rId3"/>
-    <p:sldId id="258" r:id="rId4"/>
+    <p:sldId id="258" r:id="rId3"/>
+    <p:sldId id="257" r:id="rId4"/>
     <p:sldId id="259" r:id="rId5"/>
-    <p:sldId id="260" r:id="rId6"/>
-    <p:sldId id="265" r:id="rId7"/>
+    <p:sldId id="261" r:id="rId6"/>
   </p:sldIdLst>
   <p:sldSz cx="9144000" cy="6858000" type="screen4x3"/>
   <p:notesSz cx="6858000" cy="9144000"/>
@@ -3245,10 +3244,10 @@
       </p:grpSpPr>
       <p:sp>
         <p:nvSpPr>
-          <p:cNvPr id="3" name="TextBox 2">
+          <p:cNvPr id="2" name="TextBox 1">
             <a:extLst>
               <a:ext uri="{FF2B5EF4-FFF2-40B4-BE49-F238E27FC236}">
-                <a16:creationId xmlns:a16="http://schemas.microsoft.com/office/drawing/2014/main" id="{565C1B42-0DBD-47D0-BD01-005957C126A0}"/>
+                <a16:creationId xmlns:a16="http://schemas.microsoft.com/office/drawing/2014/main" id="{0813E90B-3A48-49A0-A309-07D5A065BFA0}"/>
               </a:ext>
             </a:extLst>
           </p:cNvPr>
@@ -3272,15 +3271,372 @@
           <a:lstStyle/>
           <a:p>
             <a:r>
-              <a:rPr lang="en-US" altLang="ko-KR" sz="4000">
+              <a:rPr lang="ko-KR" altLang="en-US" sz="4000">
                 <a:solidFill>
                   <a:schemeClr val="bg1"/>
                 </a:solidFill>
                 <a:latin typeface="-윤고딕330" panose="02030504000101010101" pitchFamily="18" charset="-127"/>
                 <a:ea typeface="-윤고딕330" panose="02030504000101010101" pitchFamily="18" charset="-127"/>
               </a:rPr>
-              <a:t>1. </a:t>
-            </a:r>
+              <a:t>객체와 인스턴스</a:t>
+            </a:r>
+          </a:p>
+        </p:txBody>
+      </p:sp>
+      <p:pic>
+        <p:nvPicPr>
+          <p:cNvPr id="4" name="그림 3">
+            <a:extLst>
+              <a:ext uri="{FF2B5EF4-FFF2-40B4-BE49-F238E27FC236}">
+                <a16:creationId xmlns:a16="http://schemas.microsoft.com/office/drawing/2014/main" id="{EC871CF2-15E0-493F-8B74-6755487BB164}"/>
+              </a:ext>
+            </a:extLst>
+          </p:cNvPr>
+          <p:cNvPicPr>
+            <a:picLocks noChangeAspect="1"/>
+          </p:cNvPicPr>
+          <p:nvPr/>
+        </p:nvPicPr>
+        <p:blipFill>
+          <a:blip r:embed="rId2"/>
+          <a:stretch>
+            <a:fillRect/>
+          </a:stretch>
+        </p:blipFill>
+        <p:spPr>
+          <a:xfrm>
+            <a:off x="667026" y="1184476"/>
+            <a:ext cx="4790285" cy="2473124"/>
+          </a:xfrm>
+          <a:prstGeom prst="rect">
+            <a:avLst/>
+          </a:prstGeom>
+        </p:spPr>
+      </p:pic>
+      <p:pic>
+        <p:nvPicPr>
+          <p:cNvPr id="5" name="그림 4">
+            <a:extLst>
+              <a:ext uri="{FF2B5EF4-FFF2-40B4-BE49-F238E27FC236}">
+                <a16:creationId xmlns:a16="http://schemas.microsoft.com/office/drawing/2014/main" id="{795E8822-505A-4119-B888-B45B99EAA357}"/>
+              </a:ext>
+            </a:extLst>
+          </p:cNvPr>
+          <p:cNvPicPr>
+            <a:picLocks noChangeAspect="1"/>
+          </p:cNvPicPr>
+          <p:nvPr/>
+        </p:nvPicPr>
+        <p:blipFill>
+          <a:blip r:embed="rId3"/>
+          <a:stretch>
+            <a:fillRect/>
+          </a:stretch>
+        </p:blipFill>
+        <p:spPr>
+          <a:xfrm>
+            <a:off x="667026" y="3957360"/>
+            <a:ext cx="1419225" cy="257175"/>
+          </a:xfrm>
+          <a:prstGeom prst="rect">
+            <a:avLst/>
+          </a:prstGeom>
+        </p:spPr>
+      </p:pic>
+      <p:sp>
+        <p:nvSpPr>
+          <p:cNvPr id="6" name="TextBox 5">
+            <a:extLst>
+              <a:ext uri="{FF2B5EF4-FFF2-40B4-BE49-F238E27FC236}">
+                <a16:creationId xmlns:a16="http://schemas.microsoft.com/office/drawing/2014/main" id="{80C32852-DD42-4E2E-BB69-3105651A196F}"/>
+              </a:ext>
+            </a:extLst>
+          </p:cNvPr>
+          <p:cNvSpPr txBox="1"/>
+          <p:nvPr/>
+        </p:nvSpPr>
+        <p:spPr>
+          <a:xfrm>
+            <a:off x="2086251" y="3855114"/>
+            <a:ext cx="5017271" cy="461665"/>
+          </a:xfrm>
+          <a:prstGeom prst="rect">
+            <a:avLst/>
+          </a:prstGeom>
+          <a:noFill/>
+        </p:spPr>
+        <p:txBody>
+          <a:bodyPr wrap="square" rtlCol="0">
+            <a:spAutoFit/>
+          </a:bodyPr>
+          <a:lstStyle/>
+          <a:p>
+            <a:pPr algn="l"/>
+            <a:r>
+              <a:rPr lang="en-US" altLang="ko-KR" sz="2400">
+                <a:solidFill>
+                  <a:schemeClr val="bg1"/>
+                </a:solidFill>
+                <a:latin typeface="-윤고딕330" panose="02030504000101010101" pitchFamily="18" charset="-127"/>
+                <a:ea typeface="-윤고딕330" panose="02030504000101010101" pitchFamily="18" charset="-127"/>
+              </a:rPr>
+              <a:t>: </a:t>
+            </a:r>
+            <a:r>
+              <a:rPr lang="ko-KR" altLang="en-US" sz="2400">
+                <a:solidFill>
+                  <a:schemeClr val="bg1"/>
+                </a:solidFill>
+                <a:latin typeface="-윤고딕330" panose="02030504000101010101" pitchFamily="18" charset="-127"/>
+                <a:ea typeface="-윤고딕330" panose="02030504000101010101" pitchFamily="18" charset="-127"/>
+              </a:rPr>
+              <a:t>객체를 참조하기위한 </a:t>
+            </a:r>
+            <a:r>
+              <a:rPr lang="ko-KR" altLang="en-US" sz="2400">
+                <a:solidFill>
+                  <a:srgbClr val="92D050"/>
+                </a:solidFill>
+                <a:latin typeface="-윤고딕330" panose="02030504000101010101" pitchFamily="18" charset="-127"/>
+                <a:ea typeface="-윤고딕330" panose="02030504000101010101" pitchFamily="18" charset="-127"/>
+              </a:rPr>
+              <a:t>참조변수</a:t>
+            </a:r>
+            <a:r>
+              <a:rPr lang="ko-KR" altLang="en-US" sz="2400">
+                <a:solidFill>
+                  <a:schemeClr val="bg1"/>
+                </a:solidFill>
+                <a:latin typeface="-윤고딕330" panose="02030504000101010101" pitchFamily="18" charset="-127"/>
+                <a:ea typeface="-윤고딕330" panose="02030504000101010101" pitchFamily="18" charset="-127"/>
+              </a:rPr>
+              <a:t> 선언</a:t>
+            </a:r>
+            <a:endParaRPr lang="ko-KR" altLang="en-US" sz="2400">
+              <a:solidFill>
+                <a:srgbClr val="92D050"/>
+              </a:solidFill>
+              <a:latin typeface="-윤고딕330" panose="02030504000101010101" pitchFamily="18" charset="-127"/>
+              <a:ea typeface="-윤고딕330" panose="02030504000101010101" pitchFamily="18" charset="-127"/>
+            </a:endParaRPr>
+          </a:p>
+        </p:txBody>
+      </p:sp>
+      <p:pic>
+        <p:nvPicPr>
+          <p:cNvPr id="7" name="그림 6">
+            <a:extLst>
+              <a:ext uri="{FF2B5EF4-FFF2-40B4-BE49-F238E27FC236}">
+                <a16:creationId xmlns:a16="http://schemas.microsoft.com/office/drawing/2014/main" id="{D139CD73-8A70-452E-AE7C-E7BE46B06B59}"/>
+              </a:ext>
+            </a:extLst>
+          </p:cNvPr>
+          <p:cNvPicPr>
+            <a:picLocks noChangeAspect="1"/>
+          </p:cNvPicPr>
+          <p:nvPr/>
+        </p:nvPicPr>
+        <p:blipFill>
+          <a:blip r:embed="rId4"/>
+          <a:stretch>
+            <a:fillRect/>
+          </a:stretch>
+        </p:blipFill>
+        <p:spPr>
+          <a:xfrm>
+            <a:off x="667026" y="4419025"/>
+            <a:ext cx="2228850" cy="285750"/>
+          </a:xfrm>
+          <a:prstGeom prst="rect">
+            <a:avLst/>
+          </a:prstGeom>
+        </p:spPr>
+      </p:pic>
+      <p:sp>
+        <p:nvSpPr>
+          <p:cNvPr id="8" name="TextBox 7">
+            <a:extLst>
+              <a:ext uri="{FF2B5EF4-FFF2-40B4-BE49-F238E27FC236}">
+                <a16:creationId xmlns:a16="http://schemas.microsoft.com/office/drawing/2014/main" id="{4CA74C64-F202-4A1B-ADC8-37612566549D}"/>
+              </a:ext>
+            </a:extLst>
+          </p:cNvPr>
+          <p:cNvSpPr txBox="1"/>
+          <p:nvPr/>
+        </p:nvSpPr>
+        <p:spPr>
+          <a:xfrm>
+            <a:off x="2895876" y="4331067"/>
+            <a:ext cx="5671075" cy="830997"/>
+          </a:xfrm>
+          <a:prstGeom prst="rect">
+            <a:avLst/>
+          </a:prstGeom>
+          <a:noFill/>
+        </p:spPr>
+        <p:txBody>
+          <a:bodyPr wrap="square" rtlCol="0">
+            <a:spAutoFit/>
+          </a:bodyPr>
+          <a:lstStyle/>
+          <a:p>
+            <a:pPr algn="l"/>
+            <a:r>
+              <a:rPr lang="en-US" altLang="ko-KR" sz="2400">
+                <a:solidFill>
+                  <a:schemeClr val="bg1"/>
+                </a:solidFill>
+                <a:latin typeface="-윤고딕330" panose="02030504000101010101" pitchFamily="18" charset="-127"/>
+                <a:ea typeface="-윤고딕330" panose="02030504000101010101" pitchFamily="18" charset="-127"/>
+              </a:rPr>
+              <a:t>: </a:t>
+            </a:r>
+            <a:r>
+              <a:rPr lang="ko-KR" altLang="en-US" sz="2400">
+                <a:solidFill>
+                  <a:schemeClr val="bg1"/>
+                </a:solidFill>
+                <a:latin typeface="-윤고딕330" panose="02030504000101010101" pitchFamily="18" charset="-127"/>
+                <a:ea typeface="-윤고딕330" panose="02030504000101010101" pitchFamily="18" charset="-127"/>
+              </a:rPr>
+              <a:t>객체를 생성하고</a:t>
+            </a:r>
+            <a:r>
+              <a:rPr lang="en-US" altLang="ko-KR" sz="2400">
+                <a:solidFill>
+                  <a:schemeClr val="bg1"/>
+                </a:solidFill>
+                <a:latin typeface="-윤고딕330" panose="02030504000101010101" pitchFamily="18" charset="-127"/>
+                <a:ea typeface="-윤고딕330" panose="02030504000101010101" pitchFamily="18" charset="-127"/>
+              </a:rPr>
+              <a:t>, </a:t>
+            </a:r>
+            <a:r>
+              <a:rPr lang="ko-KR" altLang="en-US" sz="2400">
+                <a:solidFill>
+                  <a:srgbClr val="92D050"/>
+                </a:solidFill>
+                <a:latin typeface="-윤고딕330" panose="02030504000101010101" pitchFamily="18" charset="-127"/>
+                <a:ea typeface="-윤고딕330" panose="02030504000101010101" pitchFamily="18" charset="-127"/>
+              </a:rPr>
+              <a:t>객체의 주소</a:t>
+            </a:r>
+            <a:r>
+              <a:rPr lang="ko-KR" altLang="en-US" sz="2400">
+                <a:solidFill>
+                  <a:schemeClr val="bg1"/>
+                </a:solidFill>
+                <a:latin typeface="-윤고딕330" panose="02030504000101010101" pitchFamily="18" charset="-127"/>
+                <a:ea typeface="-윤고딕330" panose="02030504000101010101" pitchFamily="18" charset="-127"/>
+              </a:rPr>
+              <a:t>를</a:t>
+            </a:r>
+            <a:endParaRPr lang="en-US" altLang="ko-KR" sz="2400">
+              <a:solidFill>
+                <a:schemeClr val="bg1"/>
+              </a:solidFill>
+              <a:latin typeface="-윤고딕330" panose="02030504000101010101" pitchFamily="18" charset="-127"/>
+              <a:ea typeface="-윤고딕330" panose="02030504000101010101" pitchFamily="18" charset="-127"/>
+            </a:endParaRPr>
+          </a:p>
+          <a:p>
+            <a:pPr algn="l"/>
+            <a:r>
+              <a:rPr lang="en-US" altLang="ko-KR" sz="2400">
+                <a:solidFill>
+                  <a:schemeClr val="bg1"/>
+                </a:solidFill>
+                <a:latin typeface="-윤고딕330" panose="02030504000101010101" pitchFamily="18" charset="-127"/>
+                <a:ea typeface="-윤고딕330" panose="02030504000101010101" pitchFamily="18" charset="-127"/>
+              </a:rPr>
+              <a:t>  </a:t>
+            </a:r>
+            <a:r>
+              <a:rPr lang="ko-KR" altLang="en-US" sz="2400">
+                <a:solidFill>
+                  <a:schemeClr val="bg1"/>
+                </a:solidFill>
+                <a:latin typeface="-윤고딕330" panose="02030504000101010101" pitchFamily="18" charset="-127"/>
+                <a:ea typeface="-윤고딕330" panose="02030504000101010101" pitchFamily="18" charset="-127"/>
+              </a:rPr>
+              <a:t>참조변수에 저장</a:t>
+            </a:r>
+            <a:endParaRPr lang="ko-KR" altLang="en-US" sz="2400">
+              <a:solidFill>
+                <a:srgbClr val="92D050"/>
+              </a:solidFill>
+              <a:latin typeface="-윤고딕330" panose="02030504000101010101" pitchFamily="18" charset="-127"/>
+              <a:ea typeface="-윤고딕330" panose="02030504000101010101" pitchFamily="18" charset="-127"/>
+            </a:endParaRPr>
+          </a:p>
+        </p:txBody>
+      </p:sp>
+    </p:spTree>
+    <p:extLst>
+      <p:ext uri="{BB962C8B-B14F-4D97-AF65-F5344CB8AC3E}">
+        <p14:creationId xmlns:p14="http://schemas.microsoft.com/office/powerpoint/2010/main" val="1136847431"/>
+      </p:ext>
+    </p:extLst>
+  </p:cSld>
+  <p:clrMapOvr>
+    <a:masterClrMapping/>
+  </p:clrMapOvr>
+</p:sld>
+</file>
+
+<file path=ppt/slides/slide3.xml><?xml version="1.0" encoding="utf-8"?>
+<p:sld xmlns:a="http://schemas.openxmlformats.org/drawingml/2006/main" xmlns:r="http://schemas.openxmlformats.org/officeDocument/2006/relationships" xmlns:p="http://schemas.openxmlformats.org/presentationml/2006/main">
+  <p:cSld>
+    <p:bg>
+      <p:bgPr>
+        <a:solidFill>
+          <a:srgbClr val="D95B43"/>
+        </a:solidFill>
+        <a:effectLst/>
+      </p:bgPr>
+    </p:bg>
+    <p:spTree>
+      <p:nvGrpSpPr>
+        <p:cNvPr id="1" name=""/>
+        <p:cNvGrpSpPr/>
+        <p:nvPr/>
+      </p:nvGrpSpPr>
+      <p:grpSpPr>
+        <a:xfrm>
+          <a:off x="0" y="0"/>
+          <a:ext cx="0" cy="0"/>
+          <a:chOff x="0" y="0"/>
+          <a:chExt cx="0" cy="0"/>
+        </a:xfrm>
+      </p:grpSpPr>
+      <p:sp>
+        <p:nvSpPr>
+          <p:cNvPr id="3" name="TextBox 2">
+            <a:extLst>
+              <a:ext uri="{FF2B5EF4-FFF2-40B4-BE49-F238E27FC236}">
+                <a16:creationId xmlns:a16="http://schemas.microsoft.com/office/drawing/2014/main" id="{565C1B42-0DBD-47D0-BD01-005957C126A0}"/>
+              </a:ext>
+            </a:extLst>
+          </p:cNvPr>
+          <p:cNvSpPr txBox="1"/>
+          <p:nvPr/>
+        </p:nvSpPr>
+        <p:spPr>
+          <a:xfrm>
+            <a:off x="390617" y="372862"/>
+            <a:ext cx="8691239" cy="707886"/>
+          </a:xfrm>
+          <a:prstGeom prst="rect">
+            <a:avLst/>
+          </a:prstGeom>
+          <a:noFill/>
+        </p:spPr>
+        <p:txBody>
+          <a:bodyPr wrap="square" rtlCol="0">
+            <a:spAutoFit/>
+          </a:bodyPr>
+          <a:lstStyle/>
+          <a:p>
             <a:r>
               <a:rPr lang="ko-KR" altLang="en-US" sz="4000">
                 <a:solidFill>
@@ -3764,383 +4120,6 @@
 </p:sld>
 </file>
 
-<file path=ppt/slides/slide3.xml><?xml version="1.0" encoding="utf-8"?>
-<p:sld xmlns:a="http://schemas.openxmlformats.org/drawingml/2006/main" xmlns:r="http://schemas.openxmlformats.org/officeDocument/2006/relationships" xmlns:p="http://schemas.openxmlformats.org/presentationml/2006/main">
-  <p:cSld>
-    <p:bg>
-      <p:bgPr>
-        <a:solidFill>
-          <a:srgbClr val="D95B43"/>
-        </a:solidFill>
-        <a:effectLst/>
-      </p:bgPr>
-    </p:bg>
-    <p:spTree>
-      <p:nvGrpSpPr>
-        <p:cNvPr id="1" name=""/>
-        <p:cNvGrpSpPr/>
-        <p:nvPr/>
-      </p:nvGrpSpPr>
-      <p:grpSpPr>
-        <a:xfrm>
-          <a:off x="0" y="0"/>
-          <a:ext cx="0" cy="0"/>
-          <a:chOff x="0" y="0"/>
-          <a:chExt cx="0" cy="0"/>
-        </a:xfrm>
-      </p:grpSpPr>
-      <p:sp>
-        <p:nvSpPr>
-          <p:cNvPr id="2" name="TextBox 1">
-            <a:extLst>
-              <a:ext uri="{FF2B5EF4-FFF2-40B4-BE49-F238E27FC236}">
-                <a16:creationId xmlns:a16="http://schemas.microsoft.com/office/drawing/2014/main" id="{0813E90B-3A48-49A0-A309-07D5A065BFA0}"/>
-              </a:ext>
-            </a:extLst>
-          </p:cNvPr>
-          <p:cNvSpPr txBox="1"/>
-          <p:nvPr/>
-        </p:nvSpPr>
-        <p:spPr>
-          <a:xfrm>
-            <a:off x="390617" y="372862"/>
-            <a:ext cx="8691239" cy="707886"/>
-          </a:xfrm>
-          <a:prstGeom prst="rect">
-            <a:avLst/>
-          </a:prstGeom>
-          <a:noFill/>
-        </p:spPr>
-        <p:txBody>
-          <a:bodyPr wrap="square" rtlCol="0">
-            <a:spAutoFit/>
-          </a:bodyPr>
-          <a:lstStyle/>
-          <a:p>
-            <a:r>
-              <a:rPr lang="en-US" altLang="ko-KR" sz="4000">
-                <a:solidFill>
-                  <a:schemeClr val="bg1"/>
-                </a:solidFill>
-                <a:latin typeface="-윤고딕330" panose="02030504000101010101" pitchFamily="18" charset="-127"/>
-                <a:ea typeface="-윤고딕330" panose="02030504000101010101" pitchFamily="18" charset="-127"/>
-              </a:rPr>
-              <a:t>1. </a:t>
-            </a:r>
-            <a:r>
-              <a:rPr lang="ko-KR" altLang="en-US" sz="4000">
-                <a:solidFill>
-                  <a:schemeClr val="bg1"/>
-                </a:solidFill>
-                <a:latin typeface="-윤고딕330" panose="02030504000101010101" pitchFamily="18" charset="-127"/>
-                <a:ea typeface="-윤고딕330" panose="02030504000101010101" pitchFamily="18" charset="-127"/>
-              </a:rPr>
-              <a:t>객체와 인스턴스</a:t>
-            </a:r>
-          </a:p>
-        </p:txBody>
-      </p:sp>
-      <p:pic>
-        <p:nvPicPr>
-          <p:cNvPr id="4" name="그림 3">
-            <a:extLst>
-              <a:ext uri="{FF2B5EF4-FFF2-40B4-BE49-F238E27FC236}">
-                <a16:creationId xmlns:a16="http://schemas.microsoft.com/office/drawing/2014/main" id="{EC871CF2-15E0-493F-8B74-6755487BB164}"/>
-              </a:ext>
-            </a:extLst>
-          </p:cNvPr>
-          <p:cNvPicPr>
-            <a:picLocks noChangeAspect="1"/>
-          </p:cNvPicPr>
-          <p:nvPr/>
-        </p:nvPicPr>
-        <p:blipFill>
-          <a:blip r:embed="rId2"/>
-          <a:stretch>
-            <a:fillRect/>
-          </a:stretch>
-        </p:blipFill>
-        <p:spPr>
-          <a:xfrm>
-            <a:off x="667026" y="1184476"/>
-            <a:ext cx="4790285" cy="2473124"/>
-          </a:xfrm>
-          <a:prstGeom prst="rect">
-            <a:avLst/>
-          </a:prstGeom>
-        </p:spPr>
-      </p:pic>
-      <p:pic>
-        <p:nvPicPr>
-          <p:cNvPr id="5" name="그림 4">
-            <a:extLst>
-              <a:ext uri="{FF2B5EF4-FFF2-40B4-BE49-F238E27FC236}">
-                <a16:creationId xmlns:a16="http://schemas.microsoft.com/office/drawing/2014/main" id="{795E8822-505A-4119-B888-B45B99EAA357}"/>
-              </a:ext>
-            </a:extLst>
-          </p:cNvPr>
-          <p:cNvPicPr>
-            <a:picLocks noChangeAspect="1"/>
-          </p:cNvPicPr>
-          <p:nvPr/>
-        </p:nvPicPr>
-        <p:blipFill>
-          <a:blip r:embed="rId3"/>
-          <a:stretch>
-            <a:fillRect/>
-          </a:stretch>
-        </p:blipFill>
-        <p:spPr>
-          <a:xfrm>
-            <a:off x="667026" y="3957360"/>
-            <a:ext cx="1419225" cy="257175"/>
-          </a:xfrm>
-          <a:prstGeom prst="rect">
-            <a:avLst/>
-          </a:prstGeom>
-        </p:spPr>
-      </p:pic>
-      <p:sp>
-        <p:nvSpPr>
-          <p:cNvPr id="6" name="TextBox 5">
-            <a:extLst>
-              <a:ext uri="{FF2B5EF4-FFF2-40B4-BE49-F238E27FC236}">
-                <a16:creationId xmlns:a16="http://schemas.microsoft.com/office/drawing/2014/main" id="{80C32852-DD42-4E2E-BB69-3105651A196F}"/>
-              </a:ext>
-            </a:extLst>
-          </p:cNvPr>
-          <p:cNvSpPr txBox="1"/>
-          <p:nvPr/>
-        </p:nvSpPr>
-        <p:spPr>
-          <a:xfrm>
-            <a:off x="2086251" y="3855114"/>
-            <a:ext cx="5017271" cy="461665"/>
-          </a:xfrm>
-          <a:prstGeom prst="rect">
-            <a:avLst/>
-          </a:prstGeom>
-          <a:noFill/>
-        </p:spPr>
-        <p:txBody>
-          <a:bodyPr wrap="square" rtlCol="0">
-            <a:spAutoFit/>
-          </a:bodyPr>
-          <a:lstStyle/>
-          <a:p>
-            <a:pPr algn="l"/>
-            <a:r>
-              <a:rPr lang="en-US" altLang="ko-KR" sz="2400">
-                <a:solidFill>
-                  <a:schemeClr val="bg1"/>
-                </a:solidFill>
-                <a:latin typeface="-윤고딕330" panose="02030504000101010101" pitchFamily="18" charset="-127"/>
-                <a:ea typeface="-윤고딕330" panose="02030504000101010101" pitchFamily="18" charset="-127"/>
-              </a:rPr>
-              <a:t>: </a:t>
-            </a:r>
-            <a:r>
-              <a:rPr lang="ko-KR" altLang="en-US" sz="2400">
-                <a:solidFill>
-                  <a:schemeClr val="bg1"/>
-                </a:solidFill>
-                <a:latin typeface="-윤고딕330" panose="02030504000101010101" pitchFamily="18" charset="-127"/>
-                <a:ea typeface="-윤고딕330" panose="02030504000101010101" pitchFamily="18" charset="-127"/>
-              </a:rPr>
-              <a:t>객체를 참조하기위한 </a:t>
-            </a:r>
-            <a:r>
-              <a:rPr lang="ko-KR" altLang="en-US" sz="2400">
-                <a:solidFill>
-                  <a:srgbClr val="92D050"/>
-                </a:solidFill>
-                <a:latin typeface="-윤고딕330" panose="02030504000101010101" pitchFamily="18" charset="-127"/>
-                <a:ea typeface="-윤고딕330" panose="02030504000101010101" pitchFamily="18" charset="-127"/>
-              </a:rPr>
-              <a:t>참조변수</a:t>
-            </a:r>
-            <a:r>
-              <a:rPr lang="ko-KR" altLang="en-US" sz="2400">
-                <a:solidFill>
-                  <a:schemeClr val="bg1"/>
-                </a:solidFill>
-                <a:latin typeface="-윤고딕330" panose="02030504000101010101" pitchFamily="18" charset="-127"/>
-                <a:ea typeface="-윤고딕330" panose="02030504000101010101" pitchFamily="18" charset="-127"/>
-              </a:rPr>
-              <a:t> 선언</a:t>
-            </a:r>
-            <a:endParaRPr lang="ko-KR" altLang="en-US" sz="2400">
-              <a:solidFill>
-                <a:srgbClr val="92D050"/>
-              </a:solidFill>
-              <a:latin typeface="-윤고딕330" panose="02030504000101010101" pitchFamily="18" charset="-127"/>
-              <a:ea typeface="-윤고딕330" panose="02030504000101010101" pitchFamily="18" charset="-127"/>
-            </a:endParaRPr>
-          </a:p>
-        </p:txBody>
-      </p:sp>
-      <p:pic>
-        <p:nvPicPr>
-          <p:cNvPr id="7" name="그림 6">
-            <a:extLst>
-              <a:ext uri="{FF2B5EF4-FFF2-40B4-BE49-F238E27FC236}">
-                <a16:creationId xmlns:a16="http://schemas.microsoft.com/office/drawing/2014/main" id="{D139CD73-8A70-452E-AE7C-E7BE46B06B59}"/>
-              </a:ext>
-            </a:extLst>
-          </p:cNvPr>
-          <p:cNvPicPr>
-            <a:picLocks noChangeAspect="1"/>
-          </p:cNvPicPr>
-          <p:nvPr/>
-        </p:nvPicPr>
-        <p:blipFill>
-          <a:blip r:embed="rId4"/>
-          <a:stretch>
-            <a:fillRect/>
-          </a:stretch>
-        </p:blipFill>
-        <p:spPr>
-          <a:xfrm>
-            <a:off x="667026" y="4419025"/>
-            <a:ext cx="2228850" cy="285750"/>
-          </a:xfrm>
-          <a:prstGeom prst="rect">
-            <a:avLst/>
-          </a:prstGeom>
-        </p:spPr>
-      </p:pic>
-      <p:sp>
-        <p:nvSpPr>
-          <p:cNvPr id="8" name="TextBox 7">
-            <a:extLst>
-              <a:ext uri="{FF2B5EF4-FFF2-40B4-BE49-F238E27FC236}">
-                <a16:creationId xmlns:a16="http://schemas.microsoft.com/office/drawing/2014/main" id="{4CA74C64-F202-4A1B-ADC8-37612566549D}"/>
-              </a:ext>
-            </a:extLst>
-          </p:cNvPr>
-          <p:cNvSpPr txBox="1"/>
-          <p:nvPr/>
-        </p:nvSpPr>
-        <p:spPr>
-          <a:xfrm>
-            <a:off x="2895876" y="4331067"/>
-            <a:ext cx="5671075" cy="830997"/>
-          </a:xfrm>
-          <a:prstGeom prst="rect">
-            <a:avLst/>
-          </a:prstGeom>
-          <a:noFill/>
-        </p:spPr>
-        <p:txBody>
-          <a:bodyPr wrap="square" rtlCol="0">
-            <a:spAutoFit/>
-          </a:bodyPr>
-          <a:lstStyle/>
-          <a:p>
-            <a:pPr algn="l"/>
-            <a:r>
-              <a:rPr lang="en-US" altLang="ko-KR" sz="2400">
-                <a:solidFill>
-                  <a:schemeClr val="bg1"/>
-                </a:solidFill>
-                <a:latin typeface="-윤고딕330" panose="02030504000101010101" pitchFamily="18" charset="-127"/>
-                <a:ea typeface="-윤고딕330" panose="02030504000101010101" pitchFamily="18" charset="-127"/>
-              </a:rPr>
-              <a:t>: </a:t>
-            </a:r>
-            <a:r>
-              <a:rPr lang="ko-KR" altLang="en-US" sz="2400">
-                <a:solidFill>
-                  <a:schemeClr val="bg1"/>
-                </a:solidFill>
-                <a:latin typeface="-윤고딕330" panose="02030504000101010101" pitchFamily="18" charset="-127"/>
-                <a:ea typeface="-윤고딕330" panose="02030504000101010101" pitchFamily="18" charset="-127"/>
-              </a:rPr>
-              <a:t>객체를 생성하고</a:t>
-            </a:r>
-            <a:r>
-              <a:rPr lang="en-US" altLang="ko-KR" sz="2400">
-                <a:solidFill>
-                  <a:schemeClr val="bg1"/>
-                </a:solidFill>
-                <a:latin typeface="-윤고딕330" panose="02030504000101010101" pitchFamily="18" charset="-127"/>
-                <a:ea typeface="-윤고딕330" panose="02030504000101010101" pitchFamily="18" charset="-127"/>
-              </a:rPr>
-              <a:t>, </a:t>
-            </a:r>
-            <a:r>
-              <a:rPr lang="ko-KR" altLang="en-US" sz="2400">
-                <a:solidFill>
-                  <a:srgbClr val="92D050"/>
-                </a:solidFill>
-                <a:latin typeface="-윤고딕330" panose="02030504000101010101" pitchFamily="18" charset="-127"/>
-                <a:ea typeface="-윤고딕330" panose="02030504000101010101" pitchFamily="18" charset="-127"/>
-              </a:rPr>
-              <a:t>객체의 주소</a:t>
-            </a:r>
-            <a:r>
-              <a:rPr lang="ko-KR" altLang="en-US" sz="2400">
-                <a:solidFill>
-                  <a:schemeClr val="bg1"/>
-                </a:solidFill>
-                <a:latin typeface="-윤고딕330" panose="02030504000101010101" pitchFamily="18" charset="-127"/>
-                <a:ea typeface="-윤고딕330" panose="02030504000101010101" pitchFamily="18" charset="-127"/>
-              </a:rPr>
-              <a:t>를</a:t>
-            </a:r>
-            <a:endParaRPr lang="en-US" altLang="ko-KR" sz="2400">
-              <a:solidFill>
-                <a:schemeClr val="bg1"/>
-              </a:solidFill>
-              <a:latin typeface="-윤고딕330" panose="02030504000101010101" pitchFamily="18" charset="-127"/>
-              <a:ea typeface="-윤고딕330" panose="02030504000101010101" pitchFamily="18" charset="-127"/>
-            </a:endParaRPr>
-          </a:p>
-          <a:p>
-            <a:pPr algn="l"/>
-            <a:r>
-              <a:rPr lang="en-US" altLang="ko-KR" sz="2400">
-                <a:solidFill>
-                  <a:schemeClr val="bg1"/>
-                </a:solidFill>
-                <a:latin typeface="-윤고딕330" panose="02030504000101010101" pitchFamily="18" charset="-127"/>
-                <a:ea typeface="-윤고딕330" panose="02030504000101010101" pitchFamily="18" charset="-127"/>
-              </a:rPr>
-              <a:t>  </a:t>
-            </a:r>
-            <a:r>
-              <a:rPr lang="ko-KR" altLang="en-US" sz="2400">
-                <a:solidFill>
-                  <a:schemeClr val="bg1"/>
-                </a:solidFill>
-                <a:latin typeface="-윤고딕330" panose="02030504000101010101" pitchFamily="18" charset="-127"/>
-                <a:ea typeface="-윤고딕330" panose="02030504000101010101" pitchFamily="18" charset="-127"/>
-              </a:rPr>
-              <a:t>참조변수에 저장</a:t>
-            </a:r>
-            <a:endParaRPr lang="ko-KR" altLang="en-US" sz="2400">
-              <a:solidFill>
-                <a:srgbClr val="92D050"/>
-              </a:solidFill>
-              <a:latin typeface="-윤고딕330" panose="02030504000101010101" pitchFamily="18" charset="-127"/>
-              <a:ea typeface="-윤고딕330" panose="02030504000101010101" pitchFamily="18" charset="-127"/>
-            </a:endParaRPr>
-          </a:p>
-        </p:txBody>
-      </p:sp>
-    </p:spTree>
-    <p:extLst>
-      <p:ext uri="{BB962C8B-B14F-4D97-AF65-F5344CB8AC3E}">
-        <p14:creationId xmlns:p14="http://schemas.microsoft.com/office/powerpoint/2010/main" val="1136847431"/>
-      </p:ext>
-    </p:extLst>
-  </p:cSld>
-  <p:clrMapOvr>
-    <a:masterClrMapping/>
-  </p:clrMapOvr>
-</p:sld>
-</file>
-
 <file path=ppt/slides/slide4.xml><?xml version="1.0" encoding="utf-8"?>
 <p:sld xmlns:a="http://schemas.openxmlformats.org/drawingml/2006/main" xmlns:r="http://schemas.openxmlformats.org/officeDocument/2006/relationships" xmlns:p="http://schemas.openxmlformats.org/presentationml/2006/main">
   <p:cSld>
@@ -4194,16 +4173,6 @@
           </a:bodyPr>
           <a:lstStyle/>
           <a:p>
-            <a:r>
-              <a:rPr lang="en-US" altLang="ko-KR" sz="4000">
-                <a:solidFill>
-                  <a:schemeClr val="bg1"/>
-                </a:solidFill>
-                <a:latin typeface="-윤고딕330" panose="02030504000101010101" pitchFamily="18" charset="-127"/>
-                <a:ea typeface="-윤고딕330" panose="02030504000101010101" pitchFamily="18" charset="-127"/>
-              </a:rPr>
-              <a:t>1. </a:t>
-            </a:r>
             <a:r>
               <a:rPr lang="ko-KR" altLang="en-US" sz="4000">
                 <a:solidFill>
@@ -4304,7 +4273,27 @@
                 <a:latin typeface="-윤고딕330" panose="02030504000101010101" pitchFamily="18" charset="-127"/>
                 <a:ea typeface="-윤고딕330" panose="02030504000101010101" pitchFamily="18" charset="-127"/>
               </a:rPr>
-              <a:t>참조변수는 객체의 주소만 저장한다 내용 저장</a:t>
+              <a:t>참조변수는 객체의 주소만 저장한다</a:t>
+            </a:r>
+            <a:r>
+              <a:rPr lang="en-US" altLang="ko-KR" sz="2400">
+                <a:solidFill>
+                  <a:schemeClr val="bg1"/>
+                </a:solidFill>
+                <a:latin typeface="-윤고딕330" panose="02030504000101010101" pitchFamily="18" charset="-127"/>
+                <a:ea typeface="-윤고딕330" panose="02030504000101010101" pitchFamily="18" charset="-127"/>
+              </a:rPr>
+              <a:t>.</a:t>
+            </a:r>
+            <a:r>
+              <a:rPr lang="ko-KR" altLang="en-US" sz="2400">
+                <a:solidFill>
+                  <a:schemeClr val="bg1"/>
+                </a:solidFill>
+                <a:latin typeface="-윤고딕330" panose="02030504000101010101" pitchFamily="18" charset="-127"/>
+                <a:ea typeface="-윤고딕330" panose="02030504000101010101" pitchFamily="18" charset="-127"/>
+              </a:rPr>
+              <a:t> 내용 저장</a:t>
             </a:r>
             <a:r>
               <a:rPr lang="en-US" altLang="ko-KR" sz="2400">
@@ -4364,200 +4353,12 @@
           <a:chExt cx="0" cy="0"/>
         </a:xfrm>
       </p:grpSpPr>
-      <p:sp>
-        <p:nvSpPr>
-          <p:cNvPr id="2" name="TextBox 1">
+      <p:pic>
+        <p:nvPicPr>
+          <p:cNvPr id="5" name="그림 4">
             <a:extLst>
               <a:ext uri="{FF2B5EF4-FFF2-40B4-BE49-F238E27FC236}">
-                <a16:creationId xmlns:a16="http://schemas.microsoft.com/office/drawing/2014/main" id="{714950FB-6508-4057-8750-4A0E57ED9298}"/>
-              </a:ext>
-            </a:extLst>
-          </p:cNvPr>
-          <p:cNvSpPr txBox="1"/>
-          <p:nvPr/>
-        </p:nvSpPr>
-        <p:spPr>
-          <a:xfrm>
-            <a:off x="390617" y="372862"/>
-            <a:ext cx="8691239" cy="707886"/>
-          </a:xfrm>
-          <a:prstGeom prst="rect">
-            <a:avLst/>
-          </a:prstGeom>
-          <a:noFill/>
-        </p:spPr>
-        <p:txBody>
-          <a:bodyPr wrap="square" rtlCol="0">
-            <a:spAutoFit/>
-          </a:bodyPr>
-          <a:lstStyle/>
-          <a:p>
-            <a:r>
-              <a:rPr lang="en-US" altLang="ko-KR" sz="4000">
-                <a:solidFill>
-                  <a:schemeClr val="bg1"/>
-                </a:solidFill>
-                <a:latin typeface="-윤고딕330" panose="02030504000101010101" pitchFamily="18" charset="-127"/>
-                <a:ea typeface="-윤고딕330" panose="02030504000101010101" pitchFamily="18" charset="-127"/>
-              </a:rPr>
-              <a:t>1. </a:t>
-            </a:r>
-            <a:r>
-              <a:rPr lang="ko-KR" altLang="en-US" sz="4000">
-                <a:solidFill>
-                  <a:schemeClr val="bg1"/>
-                </a:solidFill>
-                <a:latin typeface="-윤고딕330" panose="02030504000101010101" pitchFamily="18" charset="-127"/>
-                <a:ea typeface="-윤고딕330" panose="02030504000101010101" pitchFamily="18" charset="-127"/>
-              </a:rPr>
-              <a:t>객체와 인스턴스</a:t>
-            </a:r>
-          </a:p>
-        </p:txBody>
-      </p:sp>
-      <p:pic>
-        <p:nvPicPr>
-          <p:cNvPr id="1026" name="Picture 2" descr="ë§ë¹ë-¸ê¸° ëì  ìì±ì ëí ì´ë¯¸ì§ ê²ìê²°ê³¼">
-            <a:extLst>
-              <a:ext uri="{FF2B5EF4-FFF2-40B4-BE49-F238E27FC236}">
-                <a16:creationId xmlns:a16="http://schemas.microsoft.com/office/drawing/2014/main" id="{5B77C82E-8EC8-4201-860E-1860AF9C5EEE}"/>
-              </a:ext>
-            </a:extLst>
-          </p:cNvPr>
-          <p:cNvPicPr>
-            <a:picLocks noChangeAspect="1" noChangeArrowheads="1"/>
-          </p:cNvPicPr>
-          <p:nvPr/>
-        </p:nvPicPr>
-        <p:blipFill>
-          <a:blip r:embed="rId2">
-            <a:extLst>
-              <a:ext uri="{28A0092B-C50C-407E-A947-70E740481C1C}">
-                <a14:useLocalDpi xmlns:a14="http://schemas.microsoft.com/office/drawing/2010/main" val="0"/>
-              </a:ext>
-            </a:extLst>
-          </a:blip>
-          <a:srcRect/>
-          <a:stretch>
-            <a:fillRect/>
-          </a:stretch>
-        </p:blipFill>
-        <p:spPr bwMode="auto">
-          <a:xfrm>
-            <a:off x="226380" y="1195054"/>
-            <a:ext cx="8691239" cy="4636836"/>
-          </a:xfrm>
-          <a:prstGeom prst="rect">
-            <a:avLst/>
-          </a:prstGeom>
-          <a:noFill/>
-          <a:extLst>
-            <a:ext uri="{909E8E84-426E-40DD-AFC4-6F175D3DCCD1}">
-              <a14:hiddenFill xmlns:a14="http://schemas.microsoft.com/office/drawing/2010/main">
-                <a:solidFill>
-                  <a:srgbClr val="FFFFFF"/>
-                </a:solidFill>
-              </a14:hiddenFill>
-            </a:ext>
-          </a:extLst>
-        </p:spPr>
-      </p:pic>
-    </p:spTree>
-    <p:extLst>
-      <p:ext uri="{BB962C8B-B14F-4D97-AF65-F5344CB8AC3E}">
-        <p14:creationId xmlns:p14="http://schemas.microsoft.com/office/powerpoint/2010/main" val="2782350735"/>
-      </p:ext>
-    </p:extLst>
-  </p:cSld>
-  <p:clrMapOvr>
-    <a:masterClrMapping/>
-  </p:clrMapOvr>
-</p:sld>
-</file>
-
-<file path=ppt/slides/slide6.xml><?xml version="1.0" encoding="utf-8"?>
-<p:sld xmlns:a="http://schemas.openxmlformats.org/drawingml/2006/main" xmlns:r="http://schemas.openxmlformats.org/officeDocument/2006/relationships" xmlns:p="http://schemas.openxmlformats.org/presentationml/2006/main">
-  <p:cSld>
-    <p:bg>
-      <p:bgPr>
-        <a:solidFill>
-          <a:srgbClr val="D95B43"/>
-        </a:solidFill>
-        <a:effectLst/>
-      </p:bgPr>
-    </p:bg>
-    <p:spTree>
-      <p:nvGrpSpPr>
-        <p:cNvPr id="1" name=""/>
-        <p:cNvGrpSpPr/>
-        <p:nvPr/>
-      </p:nvGrpSpPr>
-      <p:grpSpPr>
-        <a:xfrm>
-          <a:off x="0" y="0"/>
-          <a:ext cx="0" cy="0"/>
-          <a:chOff x="0" y="0"/>
-          <a:chExt cx="0" cy="0"/>
-        </a:xfrm>
-      </p:grpSpPr>
-      <p:sp>
-        <p:nvSpPr>
-          <p:cNvPr id="2" name="TextBox 1">
-            <a:extLst>
-              <a:ext uri="{FF2B5EF4-FFF2-40B4-BE49-F238E27FC236}">
-                <a16:creationId xmlns:a16="http://schemas.microsoft.com/office/drawing/2014/main" id="{714950FB-6508-4057-8750-4A0E57ED9298}"/>
-              </a:ext>
-            </a:extLst>
-          </p:cNvPr>
-          <p:cNvSpPr txBox="1"/>
-          <p:nvPr/>
-        </p:nvSpPr>
-        <p:spPr>
-          <a:xfrm>
-            <a:off x="390617" y="372862"/>
-            <a:ext cx="8691239" cy="707886"/>
-          </a:xfrm>
-          <a:prstGeom prst="rect">
-            <a:avLst/>
-          </a:prstGeom>
-          <a:noFill/>
-        </p:spPr>
-        <p:txBody>
-          <a:bodyPr wrap="square" rtlCol="0">
-            <a:spAutoFit/>
-          </a:bodyPr>
-          <a:lstStyle/>
-          <a:p>
-            <a:r>
-              <a:rPr lang="en-US" altLang="ko-KR" sz="4000">
-                <a:solidFill>
-                  <a:schemeClr val="bg1"/>
-                </a:solidFill>
-                <a:latin typeface="-윤고딕330" panose="02030504000101010101" pitchFamily="18" charset="-127"/>
-                <a:ea typeface="-윤고딕330" panose="02030504000101010101" pitchFamily="18" charset="-127"/>
-              </a:rPr>
-              <a:t>1. </a:t>
-            </a:r>
-            <a:r>
-              <a:rPr lang="ko-KR" altLang="en-US" sz="4000">
-                <a:solidFill>
-                  <a:schemeClr val="bg1"/>
-                </a:solidFill>
-                <a:latin typeface="-윤고딕330" panose="02030504000101010101" pitchFamily="18" charset="-127"/>
-                <a:ea typeface="-윤고딕330" panose="02030504000101010101" pitchFamily="18" charset="-127"/>
-              </a:rPr>
-              <a:t>객체와 인스턴스</a:t>
-            </a:r>
-          </a:p>
-        </p:txBody>
-      </p:sp>
-      <p:pic>
-        <p:nvPicPr>
-          <p:cNvPr id="3" name="그림 2">
-            <a:extLst>
-              <a:ext uri="{FF2B5EF4-FFF2-40B4-BE49-F238E27FC236}">
-                <a16:creationId xmlns:a16="http://schemas.microsoft.com/office/drawing/2014/main" id="{ECC277D3-B007-4878-8CE5-20908E4E6825}"/>
+                <a16:creationId xmlns:a16="http://schemas.microsoft.com/office/drawing/2014/main" id="{957486BC-F0BB-4EFC-8DDC-1627309B464B}"/>
               </a:ext>
             </a:extLst>
           </p:cNvPr>
@@ -4574,8 +4375,68 @@
         </p:blipFill>
         <p:spPr>
           <a:xfrm>
-            <a:off x="226380" y="1168421"/>
-            <a:ext cx="8691239" cy="4896472"/>
+            <a:off x="520869" y="2027900"/>
+            <a:ext cx="4657725" cy="4133850"/>
+          </a:xfrm>
+          <a:prstGeom prst="rect">
+            <a:avLst/>
+          </a:prstGeom>
+        </p:spPr>
+      </p:pic>
+      <p:pic>
+        <p:nvPicPr>
+          <p:cNvPr id="6" name="그림 5">
+            <a:extLst>
+              <a:ext uri="{FF2B5EF4-FFF2-40B4-BE49-F238E27FC236}">
+                <a16:creationId xmlns:a16="http://schemas.microsoft.com/office/drawing/2014/main" id="{2A9CEEE4-23E7-4611-A7D2-363A3382E197}"/>
+              </a:ext>
+            </a:extLst>
+          </p:cNvPr>
+          <p:cNvPicPr>
+            <a:picLocks noChangeAspect="1"/>
+          </p:cNvPicPr>
+          <p:nvPr/>
+        </p:nvPicPr>
+        <p:blipFill>
+          <a:blip r:embed="rId3"/>
+          <a:stretch>
+            <a:fillRect/>
+          </a:stretch>
+        </p:blipFill>
+        <p:spPr>
+          <a:xfrm>
+            <a:off x="5763966" y="2027900"/>
+            <a:ext cx="2924175" cy="1781175"/>
+          </a:xfrm>
+          <a:prstGeom prst="rect">
+            <a:avLst/>
+          </a:prstGeom>
+        </p:spPr>
+      </p:pic>
+      <p:pic>
+        <p:nvPicPr>
+          <p:cNvPr id="7" name="그림 6">
+            <a:extLst>
+              <a:ext uri="{FF2B5EF4-FFF2-40B4-BE49-F238E27FC236}">
+                <a16:creationId xmlns:a16="http://schemas.microsoft.com/office/drawing/2014/main" id="{AA7A405E-5B54-4F92-9B76-30E930D3743B}"/>
+              </a:ext>
+            </a:extLst>
+          </p:cNvPr>
+          <p:cNvPicPr>
+            <a:picLocks noChangeAspect="1"/>
+          </p:cNvPicPr>
+          <p:nvPr/>
+        </p:nvPicPr>
+        <p:blipFill>
+          <a:blip r:embed="rId4"/>
+          <a:stretch>
+            <a:fillRect/>
+          </a:stretch>
+        </p:blipFill>
+        <p:spPr>
+          <a:xfrm>
+            <a:off x="520869" y="314511"/>
+            <a:ext cx="5172075" cy="1562100"/>
           </a:xfrm>
           <a:prstGeom prst="rect">
             <a:avLst/>
@@ -4585,7 +4446,7 @@
     </p:spTree>
     <p:extLst>
       <p:ext uri="{BB962C8B-B14F-4D97-AF65-F5344CB8AC3E}">
-        <p14:creationId xmlns:p14="http://schemas.microsoft.com/office/powerpoint/2010/main" val="1698109213"/>
+        <p14:creationId xmlns:p14="http://schemas.microsoft.com/office/powerpoint/2010/main" val="96010997"/>
       </p:ext>
     </p:extLst>
   </p:cSld>

--- a/src/study/mar05/yj/[스터디1]객체지향 프로그래밍.pptx
+++ b/src/study/mar05/yj/[스터디1]객체지향 프로그래밍.pptx
@@ -247,7 +247,7 @@
           <a:p>
             <a:fld id="{E47C6250-749D-4E1F-B9AC-31351F910622}" type="datetimeFigureOut">
               <a:rPr lang="ko-KR" altLang="en-US" smtClean="0"/>
-              <a:t>2019-03-04</a:t>
+              <a:t>2019-03-05</a:t>
             </a:fld>
             <a:endParaRPr lang="ko-KR" altLang="en-US"/>
           </a:p>
@@ -417,7 +417,7 @@
           <a:p>
             <a:fld id="{E47C6250-749D-4E1F-B9AC-31351F910622}" type="datetimeFigureOut">
               <a:rPr lang="ko-KR" altLang="en-US" smtClean="0"/>
-              <a:t>2019-03-04</a:t>
+              <a:t>2019-03-05</a:t>
             </a:fld>
             <a:endParaRPr lang="ko-KR" altLang="en-US"/>
           </a:p>
@@ -597,7 +597,7 @@
           <a:p>
             <a:fld id="{E47C6250-749D-4E1F-B9AC-31351F910622}" type="datetimeFigureOut">
               <a:rPr lang="ko-KR" altLang="en-US" smtClean="0"/>
-              <a:t>2019-03-04</a:t>
+              <a:t>2019-03-05</a:t>
             </a:fld>
             <a:endParaRPr lang="ko-KR" altLang="en-US"/>
           </a:p>
@@ -767,7 +767,7 @@
           <a:p>
             <a:fld id="{E47C6250-749D-4E1F-B9AC-31351F910622}" type="datetimeFigureOut">
               <a:rPr lang="ko-KR" altLang="en-US" smtClean="0"/>
-              <a:t>2019-03-04</a:t>
+              <a:t>2019-03-05</a:t>
             </a:fld>
             <a:endParaRPr lang="ko-KR" altLang="en-US"/>
           </a:p>
@@ -1011,7 +1011,7 @@
           <a:p>
             <a:fld id="{E47C6250-749D-4E1F-B9AC-31351F910622}" type="datetimeFigureOut">
               <a:rPr lang="ko-KR" altLang="en-US" smtClean="0"/>
-              <a:t>2019-03-04</a:t>
+              <a:t>2019-03-05</a:t>
             </a:fld>
             <a:endParaRPr lang="ko-KR" altLang="en-US"/>
           </a:p>
@@ -1243,7 +1243,7 @@
           <a:p>
             <a:fld id="{E47C6250-749D-4E1F-B9AC-31351F910622}" type="datetimeFigureOut">
               <a:rPr lang="ko-KR" altLang="en-US" smtClean="0"/>
-              <a:t>2019-03-04</a:t>
+              <a:t>2019-03-05</a:t>
             </a:fld>
             <a:endParaRPr lang="ko-KR" altLang="en-US"/>
           </a:p>
@@ -1610,7 +1610,7 @@
           <a:p>
             <a:fld id="{E47C6250-749D-4E1F-B9AC-31351F910622}" type="datetimeFigureOut">
               <a:rPr lang="ko-KR" altLang="en-US" smtClean="0"/>
-              <a:t>2019-03-04</a:t>
+              <a:t>2019-03-05</a:t>
             </a:fld>
             <a:endParaRPr lang="ko-KR" altLang="en-US"/>
           </a:p>
@@ -1728,7 +1728,7 @@
           <a:p>
             <a:fld id="{E47C6250-749D-4E1F-B9AC-31351F910622}" type="datetimeFigureOut">
               <a:rPr lang="ko-KR" altLang="en-US" smtClean="0"/>
-              <a:t>2019-03-04</a:t>
+              <a:t>2019-03-05</a:t>
             </a:fld>
             <a:endParaRPr lang="ko-KR" altLang="en-US"/>
           </a:p>
@@ -1823,7 +1823,7 @@
           <a:p>
             <a:fld id="{E47C6250-749D-4E1F-B9AC-31351F910622}" type="datetimeFigureOut">
               <a:rPr lang="ko-KR" altLang="en-US" smtClean="0"/>
-              <a:t>2019-03-04</a:t>
+              <a:t>2019-03-05</a:t>
             </a:fld>
             <a:endParaRPr lang="ko-KR" altLang="en-US"/>
           </a:p>
@@ -2100,7 +2100,7 @@
           <a:p>
             <a:fld id="{E47C6250-749D-4E1F-B9AC-31351F910622}" type="datetimeFigureOut">
               <a:rPr lang="ko-KR" altLang="en-US" smtClean="0"/>
-              <a:t>2019-03-04</a:t>
+              <a:t>2019-03-05</a:t>
             </a:fld>
             <a:endParaRPr lang="ko-KR" altLang="en-US"/>
           </a:p>
@@ -2357,7 +2357,7 @@
           <a:p>
             <a:fld id="{E47C6250-749D-4E1F-B9AC-31351F910622}" type="datetimeFigureOut">
               <a:rPr lang="ko-KR" altLang="en-US" smtClean="0"/>
-              <a:t>2019-03-04</a:t>
+              <a:t>2019-03-05</a:t>
             </a:fld>
             <a:endParaRPr lang="ko-KR" altLang="en-US"/>
           </a:p>
@@ -2570,7 +2570,7 @@
           <a:p>
             <a:fld id="{E47C6250-749D-4E1F-B9AC-31351F910622}" type="datetimeFigureOut">
               <a:rPr lang="ko-KR" altLang="en-US" smtClean="0"/>
-              <a:t>2019-03-04</a:t>
+              <a:t>2019-03-05</a:t>
             </a:fld>
             <a:endParaRPr lang="ko-KR" altLang="en-US"/>
           </a:p>
@@ -3358,7 +3358,7 @@
         <p:spPr>
           <a:xfrm>
             <a:off x="2086251" y="3855114"/>
-            <a:ext cx="5017271" cy="461665"/>
+            <a:ext cx="5521912" cy="461665"/>
           </a:xfrm>
           <a:prstGeom prst="rect">
             <a:avLst/>
@@ -3400,7 +3400,17 @@
                 <a:latin typeface="-윤고딕330" panose="02030504000101010101" pitchFamily="18" charset="-127"/>
                 <a:ea typeface="-윤고딕330" panose="02030504000101010101" pitchFamily="18" charset="-127"/>
               </a:rPr>
-              <a:t>참조변수</a:t>
+              <a:t>참조변수 </a:t>
+            </a:r>
+            <a:r>
+              <a:rPr lang="en-US" altLang="ko-KR" sz="2400">
+                <a:solidFill>
+                  <a:srgbClr val="92D050"/>
+                </a:solidFill>
+                <a:latin typeface="-윤고딕330" panose="02030504000101010101" pitchFamily="18" charset="-127"/>
+                <a:ea typeface="-윤고딕330" panose="02030504000101010101" pitchFamily="18" charset="-127"/>
+              </a:rPr>
+              <a:t>ec</a:t>
             </a:r>
             <a:r>
               <a:rPr lang="ko-KR" altLang="en-US" sz="2400">
@@ -3912,7 +3922,6 @@
           </a:bodyPr>
           <a:lstStyle/>
           <a:p>
-            <a:pPr algn="l"/>
             <a:r>
               <a:rPr lang="en-US" altLang="ko-KR" sz="2400">
                 <a:solidFill>
@@ -3963,6 +3972,43 @@
               </a:rPr>
               <a:t>인스턴스</a:t>
             </a:r>
+            <a:r>
+              <a:rPr lang="en-US" altLang="ko-KR" sz="2400">
+                <a:solidFill>
+                  <a:srgbClr val="92D050"/>
+                </a:solidFill>
+                <a:latin typeface="-윤고딕330" panose="02030504000101010101" pitchFamily="18" charset="-127"/>
+                <a:ea typeface="-윤고딕330" panose="02030504000101010101" pitchFamily="18" charset="-127"/>
+              </a:rPr>
+              <a:t>(</a:t>
+            </a:r>
+            <a:r>
+              <a:rPr lang="ko-KR" altLang="en-US" sz="2400">
+                <a:solidFill>
+                  <a:srgbClr val="92D050"/>
+                </a:solidFill>
+                <a:latin typeface="-윤고딕330" panose="02030504000101010101" pitchFamily="18" charset="-127"/>
+                <a:ea typeface="-윤고딕330" panose="02030504000101010101" pitchFamily="18" charset="-127"/>
+              </a:rPr>
+              <a:t>객체</a:t>
+            </a:r>
+            <a:r>
+              <a:rPr lang="en-US" altLang="ko-KR" sz="2400">
+                <a:solidFill>
+                  <a:srgbClr val="92D050"/>
+                </a:solidFill>
+                <a:latin typeface="-윤고딕330" panose="02030504000101010101" pitchFamily="18" charset="-127"/>
+                <a:ea typeface="-윤고딕330" panose="02030504000101010101" pitchFamily="18" charset="-127"/>
+              </a:rPr>
+              <a:t>)</a:t>
+            </a:r>
+            <a:endParaRPr lang="ko-KR" altLang="en-US" sz="2400">
+              <a:solidFill>
+                <a:srgbClr val="92D050"/>
+              </a:solidFill>
+              <a:latin typeface="-윤고딕330" panose="02030504000101010101" pitchFamily="18" charset="-127"/>
+              <a:ea typeface="-윤고딕330" panose="02030504000101010101" pitchFamily="18" charset="-127"/>
+            </a:endParaRPr>
           </a:p>
         </p:txBody>
       </p:sp>
@@ -3994,7 +4040,6 @@
           </a:bodyPr>
           <a:lstStyle/>
           <a:p>
-            <a:pPr algn="l"/>
             <a:r>
               <a:rPr lang="en-US" altLang="ko-KR" sz="2400">
                 <a:solidFill>
@@ -4008,12 +4053,32 @@
             <a:r>
               <a:rPr lang="ko-KR" altLang="en-US" sz="2400">
                 <a:solidFill>
+                  <a:schemeClr val="bg1"/>
+                </a:solidFill>
+                <a:latin typeface="-윤고딕330" panose="02030504000101010101" pitchFamily="18" charset="-127"/>
+                <a:ea typeface="-윤고딕330" panose="02030504000101010101" pitchFamily="18" charset="-127"/>
+              </a:rPr>
+              <a:t>의</a:t>
+            </a:r>
+            <a:r>
+              <a:rPr lang="en-US" altLang="ko-KR" sz="2400">
+                <a:solidFill>
+                  <a:schemeClr val="bg1"/>
+                </a:solidFill>
+                <a:latin typeface="-윤고딕330" panose="02030504000101010101" pitchFamily="18" charset="-127"/>
+                <a:ea typeface="-윤고딕330" panose="02030504000101010101" pitchFamily="18" charset="-127"/>
+              </a:rPr>
+              <a:t> </a:t>
+            </a:r>
+            <a:r>
+              <a:rPr lang="ko-KR" altLang="en-US" sz="2400">
+                <a:solidFill>
                   <a:srgbClr val="92D050"/>
                 </a:solidFill>
                 <a:latin typeface="-윤고딕330" panose="02030504000101010101" pitchFamily="18" charset="-127"/>
                 <a:ea typeface="-윤고딕330" panose="02030504000101010101" pitchFamily="18" charset="-127"/>
               </a:rPr>
-              <a:t>인스턴스화</a:t>
+              <a:t>인스턴스 생성</a:t>
             </a:r>
           </a:p>
         </p:txBody>
